--- a/docs/logo.pptx
+++ b/docs/logo.pptx
@@ -107,6 +107,11 @@
       </a:defRPr>
     </a:lvl9pPr>
   </p:defaultTextStyle>
+  <p:extLst>
+    <p:ext uri="{EFAFB233-063F-42B5-8137-9DF3F51BA10A}">
+      <p15:sldGuideLst xmlns:p15="http://schemas.microsoft.com/office/powerpoint/2012/main"/>
+    </p:ext>
+  </p:extLst>
 </p:presentation>
 </file>
 
@@ -3729,8 +3734,8 @@
         </p:blipFill>
         <p:spPr>
           <a:xfrm rot="5400000">
-            <a:off x="3931061" y="1754187"/>
-            <a:ext cx="4329877" cy="3349625"/>
+            <a:off x="4176123" y="1509124"/>
+            <a:ext cx="2164939" cy="1674813"/>
           </a:xfrm>
           <a:prstGeom prst="rect">
             <a:avLst/>

--- a/docs/logo.pptx
+++ b/docs/logo.pptx
@@ -9,6 +9,9 @@
     <p:sldId id="258" r:id="rId3"/>
     <p:sldId id="257" r:id="rId4"/>
     <p:sldId id="259" r:id="rId5"/>
+    <p:sldId id="260" r:id="rId6"/>
+    <p:sldId id="261" r:id="rId7"/>
+    <p:sldId id="262" r:id="rId8"/>
   </p:sldIdLst>
   <p:sldSz cx="12192000" cy="6858000"/>
   <p:notesSz cx="6858000" cy="9144000"/>
@@ -264,7 +267,7 @@
           <a:p>
             <a:fld id="{331A55B8-EB44-4E7B-A859-4F493835084A}" type="datetimeFigureOut">
               <a:rPr lang="es-ES" smtClean="0"/>
-              <a:t>01/06/2018</a:t>
+              <a:t>02/06/2018</a:t>
             </a:fld>
             <a:endParaRPr lang="es-ES"/>
           </a:p>
@@ -464,7 +467,7 @@
           <a:p>
             <a:fld id="{331A55B8-EB44-4E7B-A859-4F493835084A}" type="datetimeFigureOut">
               <a:rPr lang="es-ES" smtClean="0"/>
-              <a:t>01/06/2018</a:t>
+              <a:t>02/06/2018</a:t>
             </a:fld>
             <a:endParaRPr lang="es-ES"/>
           </a:p>
@@ -674,7 +677,7 @@
           <a:p>
             <a:fld id="{331A55B8-EB44-4E7B-A859-4F493835084A}" type="datetimeFigureOut">
               <a:rPr lang="es-ES" smtClean="0"/>
-              <a:t>01/06/2018</a:t>
+              <a:t>02/06/2018</a:t>
             </a:fld>
             <a:endParaRPr lang="es-ES"/>
           </a:p>
@@ -874,7 +877,7 @@
           <a:p>
             <a:fld id="{331A55B8-EB44-4E7B-A859-4F493835084A}" type="datetimeFigureOut">
               <a:rPr lang="es-ES" smtClean="0"/>
-              <a:t>01/06/2018</a:t>
+              <a:t>02/06/2018</a:t>
             </a:fld>
             <a:endParaRPr lang="es-ES"/>
           </a:p>
@@ -1150,7 +1153,7 @@
           <a:p>
             <a:fld id="{331A55B8-EB44-4E7B-A859-4F493835084A}" type="datetimeFigureOut">
               <a:rPr lang="es-ES" smtClean="0"/>
-              <a:t>01/06/2018</a:t>
+              <a:t>02/06/2018</a:t>
             </a:fld>
             <a:endParaRPr lang="es-ES"/>
           </a:p>
@@ -1418,7 +1421,7 @@
           <a:p>
             <a:fld id="{331A55B8-EB44-4E7B-A859-4F493835084A}" type="datetimeFigureOut">
               <a:rPr lang="es-ES" smtClean="0"/>
-              <a:t>01/06/2018</a:t>
+              <a:t>02/06/2018</a:t>
             </a:fld>
             <a:endParaRPr lang="es-ES"/>
           </a:p>
@@ -1833,7 +1836,7 @@
           <a:p>
             <a:fld id="{331A55B8-EB44-4E7B-A859-4F493835084A}" type="datetimeFigureOut">
               <a:rPr lang="es-ES" smtClean="0"/>
-              <a:t>01/06/2018</a:t>
+              <a:t>02/06/2018</a:t>
             </a:fld>
             <a:endParaRPr lang="es-ES"/>
           </a:p>
@@ -1975,7 +1978,7 @@
           <a:p>
             <a:fld id="{331A55B8-EB44-4E7B-A859-4F493835084A}" type="datetimeFigureOut">
               <a:rPr lang="es-ES" smtClean="0"/>
-              <a:t>01/06/2018</a:t>
+              <a:t>02/06/2018</a:t>
             </a:fld>
             <a:endParaRPr lang="es-ES"/>
           </a:p>
@@ -2088,7 +2091,7 @@
           <a:p>
             <a:fld id="{331A55B8-EB44-4E7B-A859-4F493835084A}" type="datetimeFigureOut">
               <a:rPr lang="es-ES" smtClean="0"/>
-              <a:t>01/06/2018</a:t>
+              <a:t>02/06/2018</a:t>
             </a:fld>
             <a:endParaRPr lang="es-ES"/>
           </a:p>
@@ -2401,7 +2404,7 @@
           <a:p>
             <a:fld id="{331A55B8-EB44-4E7B-A859-4F493835084A}" type="datetimeFigureOut">
               <a:rPr lang="es-ES" smtClean="0"/>
-              <a:t>01/06/2018</a:t>
+              <a:t>02/06/2018</a:t>
             </a:fld>
             <a:endParaRPr lang="es-ES"/>
           </a:p>
@@ -2690,7 +2693,7 @@
           <a:p>
             <a:fld id="{331A55B8-EB44-4E7B-A859-4F493835084A}" type="datetimeFigureOut">
               <a:rPr lang="es-ES" smtClean="0"/>
-              <a:t>01/06/2018</a:t>
+              <a:t>02/06/2018</a:t>
             </a:fld>
             <a:endParaRPr lang="es-ES"/>
           </a:p>
@@ -2933,7 +2936,7 @@
           <a:p>
             <a:fld id="{331A55B8-EB44-4E7B-A859-4F493835084A}" type="datetimeFigureOut">
               <a:rPr lang="es-ES" smtClean="0"/>
-              <a:t>01/06/2018</a:t>
+              <a:t>02/06/2018</a:t>
             </a:fld>
             <a:endParaRPr lang="es-ES"/>
           </a:p>
@@ -3755,6 +3758,435 @@
 </p:sld>
 </file>
 
+<file path=ppt/slides/slide5.xml><?xml version="1.0" encoding="utf-8"?>
+<p:sld xmlns:a="http://schemas.openxmlformats.org/drawingml/2006/main" xmlns:r="http://schemas.openxmlformats.org/officeDocument/2006/relationships" xmlns:p="http://schemas.openxmlformats.org/presentationml/2006/main">
+  <p:cSld>
+    <p:spTree>
+      <p:nvGrpSpPr>
+        <p:cNvPr id="1" name=""/>
+        <p:cNvGrpSpPr/>
+        <p:nvPr/>
+      </p:nvGrpSpPr>
+      <p:grpSpPr>
+        <a:xfrm>
+          <a:off x="0" y="0"/>
+          <a:ext cx="0" cy="0"/>
+          <a:chOff x="0" y="0"/>
+          <a:chExt cx="0" cy="0"/>
+        </a:xfrm>
+      </p:grpSpPr>
+      <p:pic>
+        <p:nvPicPr>
+          <p:cNvPr id="4" name="Picture 3">
+            <a:extLst>
+              <a:ext uri="{FF2B5EF4-FFF2-40B4-BE49-F238E27FC236}">
+                <a16:creationId xmlns:a16="http://schemas.microsoft.com/office/drawing/2014/main" id="{9E208BF7-4958-4961-AFCA-24B81F96936D}"/>
+              </a:ext>
+            </a:extLst>
+          </p:cNvPr>
+          <p:cNvPicPr>
+            <a:picLocks noChangeAspect="1"/>
+          </p:cNvPicPr>
+          <p:nvPr/>
+        </p:nvPicPr>
+        <p:blipFill rotWithShape="1">
+          <a:blip r:embed="rId2"/>
+          <a:srcRect l="9189" t="-264083" r="9189" b="-4"/>
+          <a:stretch/>
+        </p:blipFill>
+        <p:spPr>
+          <a:xfrm rot="5400000">
+            <a:off x="7715856" y="272442"/>
+            <a:ext cx="2856284" cy="6096005"/>
+          </a:xfrm>
+          <a:prstGeom prst="rect">
+            <a:avLst/>
+          </a:prstGeom>
+          <a:solidFill>
+            <a:schemeClr val="tx1"/>
+          </a:solidFill>
+        </p:spPr>
+      </p:pic>
+      <p:pic>
+        <p:nvPicPr>
+          <p:cNvPr id="5" name="Picture 4">
+            <a:extLst>
+              <a:ext uri="{FF2B5EF4-FFF2-40B4-BE49-F238E27FC236}">
+                <a16:creationId xmlns:a16="http://schemas.microsoft.com/office/drawing/2014/main" id="{6A4FC89C-8555-4742-A66B-51C3244EDBCC}"/>
+              </a:ext>
+            </a:extLst>
+          </p:cNvPr>
+          <p:cNvPicPr>
+            <a:picLocks noChangeAspect="1"/>
+          </p:cNvPicPr>
+          <p:nvPr/>
+        </p:nvPicPr>
+        <p:blipFill rotWithShape="1">
+          <a:blip r:embed="rId2"/>
+          <a:srcRect l="9189" t="-264083" r="9189" b="-4"/>
+          <a:stretch/>
+        </p:blipFill>
+        <p:spPr>
+          <a:xfrm rot="5400000" flipV="1">
+            <a:off x="1619859" y="272441"/>
+            <a:ext cx="2856280" cy="6096005"/>
+          </a:xfrm>
+          <a:prstGeom prst="rect">
+            <a:avLst/>
+          </a:prstGeom>
+          <a:solidFill>
+            <a:schemeClr val="tx1"/>
+          </a:solidFill>
+        </p:spPr>
+      </p:pic>
+      <p:sp>
+        <p:nvSpPr>
+          <p:cNvPr id="7" name="Rectangle 6">
+            <a:extLst>
+              <a:ext uri="{FF2B5EF4-FFF2-40B4-BE49-F238E27FC236}">
+                <a16:creationId xmlns:a16="http://schemas.microsoft.com/office/drawing/2014/main" id="{69267870-09FC-4717-BB42-69D95951D4D3}"/>
+              </a:ext>
+            </a:extLst>
+          </p:cNvPr>
+          <p:cNvSpPr/>
+          <p:nvPr/>
+        </p:nvSpPr>
+        <p:spPr>
+          <a:xfrm>
+            <a:off x="2335412" y="2105561"/>
+            <a:ext cx="12001500" cy="2646878"/>
+          </a:xfrm>
+          <a:prstGeom prst="rect">
+            <a:avLst/>
+          </a:prstGeom>
+        </p:spPr>
+        <p:txBody>
+          <a:bodyPr wrap="square">
+            <a:spAutoFit/>
+          </a:bodyPr>
+          <a:lstStyle/>
+          <a:p>
+            <a:r>
+              <a:rPr lang="en-US" sz="16600" spc="-500">
+                <a:solidFill>
+                  <a:prstClr val="white"/>
+                </a:solidFill>
+                <a:latin typeface="Century Gothic" panose="020B0502020202020204" pitchFamily="34" charset="0"/>
+                <a:cs typeface="Aharoni" panose="02010803020104030203" pitchFamily="2" charset="-79"/>
+              </a:rPr>
+              <a:t>I</a:t>
+            </a:r>
+            <a:r>
+              <a:rPr lang="en-US" sz="4000" spc="-500">
+                <a:solidFill>
+                  <a:prstClr val="white"/>
+                </a:solidFill>
+                <a:latin typeface="Century Gothic" panose="020B0502020202020204" pitchFamily="34" charset="0"/>
+                <a:cs typeface="Aharoni" panose="02010803020104030203" pitchFamily="2" charset="-79"/>
+              </a:rPr>
+              <a:t> </a:t>
+            </a:r>
+            <a:r>
+              <a:rPr lang="en-US" sz="16600" spc="-500">
+                <a:solidFill>
+                  <a:prstClr val="white"/>
+                </a:solidFill>
+                <a:latin typeface="Century Gothic" panose="020B0502020202020204" pitchFamily="34" charset="0"/>
+                <a:cs typeface="Aharoni" panose="02010803020104030203" pitchFamily="2" charset="-79"/>
+              </a:rPr>
+              <a:t>M</a:t>
+            </a:r>
+            <a:r>
+              <a:rPr lang="en-US" sz="13800" spc="-500">
+                <a:solidFill>
+                  <a:prstClr val="white"/>
+                </a:solidFill>
+                <a:latin typeface="Century Gothic" panose="020B0502020202020204" pitchFamily="34" charset="0"/>
+                <a:cs typeface="Aharoni" panose="02010803020104030203" pitchFamily="2" charset="-79"/>
+              </a:rPr>
+              <a:t> </a:t>
+            </a:r>
+            <a:r>
+              <a:rPr lang="en-US" sz="11500" spc="-500">
+                <a:solidFill>
+                  <a:prstClr val="white"/>
+                </a:solidFill>
+                <a:latin typeface="Century Gothic" panose="020B0502020202020204" pitchFamily="34" charset="0"/>
+                <a:cs typeface="Aharoni" panose="02010803020104030203" pitchFamily="2" charset="-79"/>
+              </a:rPr>
+              <a:t>     </a:t>
+            </a:r>
+            <a:r>
+              <a:rPr lang="en-US" sz="16600" spc="-500">
+                <a:solidFill>
+                  <a:prstClr val="white"/>
+                </a:solidFill>
+                <a:latin typeface="Century Gothic" panose="020B0502020202020204" pitchFamily="34" charset="0"/>
+                <a:cs typeface="Aharoni" panose="02010803020104030203" pitchFamily="2" charset="-79"/>
+              </a:rPr>
+              <a:t>GNO</a:t>
+            </a:r>
+            <a:endParaRPr lang="es-ES"/>
+          </a:p>
+        </p:txBody>
+      </p:sp>
+      <p:sp>
+        <p:nvSpPr>
+          <p:cNvPr id="2" name="Rectangle 1">
+            <a:extLst>
+              <a:ext uri="{FF2B5EF4-FFF2-40B4-BE49-F238E27FC236}">
+                <a16:creationId xmlns:a16="http://schemas.microsoft.com/office/drawing/2014/main" id="{005E5554-B9F9-4CFA-81EA-55B87FBB1746}"/>
+              </a:ext>
+            </a:extLst>
+          </p:cNvPr>
+          <p:cNvSpPr/>
+          <p:nvPr/>
+        </p:nvSpPr>
+        <p:spPr>
+          <a:xfrm>
+            <a:off x="-113820" y="1473201"/>
+            <a:ext cx="2653820" cy="3596944"/>
+          </a:xfrm>
+          <a:prstGeom prst="rect">
+            <a:avLst/>
+          </a:prstGeom>
+          <a:noFill/>
+          <a:ln>
+            <a:noFill/>
+          </a:ln>
+        </p:spPr>
+        <p:style>
+          <a:lnRef idx="2">
+            <a:schemeClr val="accent1">
+              <a:shade val="50000"/>
+            </a:schemeClr>
+          </a:lnRef>
+          <a:fillRef idx="1">
+            <a:schemeClr val="accent1"/>
+          </a:fillRef>
+          <a:effectRef idx="0">
+            <a:schemeClr val="accent1"/>
+          </a:effectRef>
+          <a:fontRef idx="minor">
+            <a:schemeClr val="lt1"/>
+          </a:fontRef>
+        </p:style>
+        <p:txBody>
+          <a:bodyPr vert="horz" wrap="none" rtlCol="0" anchor="ctr">
+            <a:noAutofit/>
+          </a:bodyPr>
+          <a:lstStyle/>
+          <a:p>
+            <a:pPr algn="ctr"/>
+            <a:r>
+              <a:rPr lang="en-US" sz="23900" spc="-500">
+                <a:latin typeface="Century Gothic" panose="020B0502020202020204" pitchFamily="34" charset="0"/>
+                <a:cs typeface="Aharoni" panose="02010803020104030203" pitchFamily="2" charset="-79"/>
+              </a:rPr>
+              <a:t>D</a:t>
+            </a:r>
+            <a:endParaRPr lang="es-ES" sz="13800" spc="-500">
+              <a:latin typeface="Century Gothic" panose="020B0502020202020204" pitchFamily="34" charset="0"/>
+              <a:cs typeface="Aharoni" panose="02010803020104030203" pitchFamily="2" charset="-79"/>
+            </a:endParaRPr>
+          </a:p>
+        </p:txBody>
+      </p:sp>
+      <p:sp>
+        <p:nvSpPr>
+          <p:cNvPr id="9" name="Rectangle 8">
+            <a:extLst>
+              <a:ext uri="{FF2B5EF4-FFF2-40B4-BE49-F238E27FC236}">
+                <a16:creationId xmlns:a16="http://schemas.microsoft.com/office/drawing/2014/main" id="{30E824F2-A4B3-45B0-9186-3302766FFAF6}"/>
+              </a:ext>
+            </a:extLst>
+          </p:cNvPr>
+          <p:cNvSpPr/>
+          <p:nvPr/>
+        </p:nvSpPr>
+        <p:spPr>
+          <a:xfrm>
+            <a:off x="4969075" y="1927226"/>
+            <a:ext cx="2202526" cy="3596945"/>
+          </a:xfrm>
+          <a:prstGeom prst="rect">
+            <a:avLst/>
+          </a:prstGeom>
+        </p:spPr>
+        <p:txBody>
+          <a:bodyPr vert="horz" wrap="none" lIns="0" tIns="0" rIns="0" bIns="0" anchor="ctr" anchorCtr="0">
+            <a:noAutofit/>
+          </a:bodyPr>
+          <a:lstStyle/>
+          <a:p>
+            <a:r>
+              <a:rPr lang="en-US" sz="23900" spc="-500">
+                <a:solidFill>
+                  <a:prstClr val="black"/>
+                </a:solidFill>
+                <a:latin typeface="Century Gothic" panose="020B0502020202020204" pitchFamily="34" charset="0"/>
+                <a:cs typeface="Aharoni" panose="02010803020104030203" pitchFamily="2" charset="-79"/>
+              </a:rPr>
+              <a:t>A</a:t>
+            </a:r>
+            <a:endParaRPr lang="es-ES" sz="23900"/>
+          </a:p>
+        </p:txBody>
+      </p:sp>
+      <p:sp>
+        <p:nvSpPr>
+          <p:cNvPr id="13" name="Rectangle 12">
+            <a:extLst>
+              <a:ext uri="{FF2B5EF4-FFF2-40B4-BE49-F238E27FC236}">
+                <a16:creationId xmlns:a16="http://schemas.microsoft.com/office/drawing/2014/main" id="{944E7400-8A07-4DEC-91E9-28027614BD83}"/>
+              </a:ext>
+            </a:extLst>
+          </p:cNvPr>
+          <p:cNvSpPr/>
+          <p:nvPr/>
+        </p:nvSpPr>
+        <p:spPr>
+          <a:xfrm>
+            <a:off x="3429000" y="4748584"/>
+            <a:ext cx="4686300" cy="1055316"/>
+          </a:xfrm>
+          <a:prstGeom prst="rect">
+            <a:avLst/>
+          </a:prstGeom>
+          <a:solidFill>
+            <a:schemeClr val="bg1"/>
+          </a:solidFill>
+          <a:ln>
+            <a:noFill/>
+          </a:ln>
+        </p:spPr>
+        <p:style>
+          <a:lnRef idx="2">
+            <a:schemeClr val="accent1">
+              <a:shade val="50000"/>
+            </a:schemeClr>
+          </a:lnRef>
+          <a:fillRef idx="1">
+            <a:schemeClr val="accent1"/>
+          </a:fillRef>
+          <a:effectRef idx="0">
+            <a:schemeClr val="accent1"/>
+          </a:effectRef>
+          <a:fontRef idx="minor">
+            <a:schemeClr val="lt1"/>
+          </a:fontRef>
+        </p:style>
+        <p:txBody>
+          <a:bodyPr rtlCol="0" anchor="ctr"/>
+          <a:lstStyle/>
+          <a:p>
+            <a:pPr algn="ctr"/>
+            <a:endParaRPr lang="es-ES"/>
+          </a:p>
+        </p:txBody>
+      </p:sp>
+    </p:spTree>
+    <p:extLst>
+      <p:ext uri="{BB962C8B-B14F-4D97-AF65-F5344CB8AC3E}">
+        <p14:creationId xmlns:p14="http://schemas.microsoft.com/office/powerpoint/2010/main" val="403767415"/>
+      </p:ext>
+    </p:extLst>
+  </p:cSld>
+  <p:clrMapOvr>
+    <a:masterClrMapping/>
+  </p:clrMapOvr>
+</p:sld>
+</file>
+
+<file path=ppt/slides/slide6.xml><?xml version="1.0" encoding="utf-8"?>
+<p:sld xmlns:a="http://schemas.openxmlformats.org/drawingml/2006/main" xmlns:r="http://schemas.openxmlformats.org/officeDocument/2006/relationships" xmlns:p="http://schemas.openxmlformats.org/presentationml/2006/main">
+  <p:cSld>
+    <p:spTree>
+      <p:nvGrpSpPr>
+        <p:cNvPr id="1" name=""/>
+        <p:cNvGrpSpPr/>
+        <p:nvPr/>
+      </p:nvGrpSpPr>
+      <p:grpSpPr>
+        <a:xfrm>
+          <a:off x="0" y="0"/>
+          <a:ext cx="0" cy="0"/>
+          <a:chOff x="0" y="0"/>
+          <a:chExt cx="0" cy="0"/>
+        </a:xfrm>
+      </p:grpSpPr>
+      <p:pic>
+        <p:nvPicPr>
+          <p:cNvPr id="10" name="Picture 9">
+            <a:extLst>
+              <a:ext uri="{FF2B5EF4-FFF2-40B4-BE49-F238E27FC236}">
+                <a16:creationId xmlns:a16="http://schemas.microsoft.com/office/drawing/2014/main" id="{C4D0756F-49E4-4122-AADF-0827456E0974}"/>
+              </a:ext>
+            </a:extLst>
+          </p:cNvPr>
+          <p:cNvPicPr>
+            <a:picLocks noChangeAspect="1"/>
+          </p:cNvPicPr>
+          <p:nvPr/>
+        </p:nvPicPr>
+        <p:blipFill rotWithShape="1">
+          <a:blip r:embed="rId2"/>
+          <a:srcRect l="10626" t="20427" r="13312" b="38078"/>
+          <a:stretch/>
+        </p:blipFill>
+        <p:spPr>
+          <a:xfrm>
+            <a:off x="1295400" y="1914525"/>
+            <a:ext cx="9273540" cy="2125040"/>
+          </a:xfrm>
+          <a:prstGeom prst="rect">
+            <a:avLst/>
+          </a:prstGeom>
+        </p:spPr>
+      </p:pic>
+    </p:spTree>
+    <p:extLst>
+      <p:ext uri="{BB962C8B-B14F-4D97-AF65-F5344CB8AC3E}">
+        <p14:creationId xmlns:p14="http://schemas.microsoft.com/office/powerpoint/2010/main" val="2212864347"/>
+      </p:ext>
+    </p:extLst>
+  </p:cSld>
+  <p:clrMapOvr>
+    <a:masterClrMapping/>
+  </p:clrMapOvr>
+</p:sld>
+</file>
+
+<file path=ppt/slides/slide7.xml><?xml version="1.0" encoding="utf-8"?>
+<p:sld xmlns:a="http://schemas.openxmlformats.org/drawingml/2006/main" xmlns:r="http://schemas.openxmlformats.org/officeDocument/2006/relationships" xmlns:p="http://schemas.openxmlformats.org/presentationml/2006/main">
+  <p:cSld>
+    <p:spTree>
+      <p:nvGrpSpPr>
+        <p:cNvPr id="1" name=""/>
+        <p:cNvGrpSpPr/>
+        <p:nvPr/>
+      </p:nvGrpSpPr>
+      <p:grpSpPr>
+        <a:xfrm>
+          <a:off x="0" y="0"/>
+          <a:ext cx="0" cy="0"/>
+          <a:chOff x="0" y="0"/>
+          <a:chExt cx="0" cy="0"/>
+        </a:xfrm>
+      </p:grpSpPr>
+    </p:spTree>
+    <p:extLst>
+      <p:ext uri="{BB962C8B-B14F-4D97-AF65-F5344CB8AC3E}">
+        <p14:creationId xmlns:p14="http://schemas.microsoft.com/office/powerpoint/2010/main" val="401049114"/>
+      </p:ext>
+    </p:extLst>
+  </p:cSld>
+  <p:clrMapOvr>
+    <a:masterClrMapping/>
+  </p:clrMapOvr>
+</p:sld>
+</file>
+
 <file path=ppt/theme/theme1.xml><?xml version="1.0" encoding="utf-8"?>
 <a:theme xmlns:a="http://schemas.openxmlformats.org/drawingml/2006/main" name="Office Theme">
   <a:themeElements>
